--- a/img/all_in_one.pptx
+++ b/img/all_in_one.pptx
@@ -104,7 +104,161 @@
       </a:defRPr>
     </a:lvl9pPr>
   </p:defaultTextStyle>
+  <p:extLst>
+    <p:ext uri="{EFAFB233-063F-42B5-8137-9DF3F51BA10A}">
+      <p15:sldGuideLst xmlns:p15="http://schemas.microsoft.com/office/powerpoint/2012/main"/>
+    </p:ext>
+  </p:extLst>
 </p:presentation>
+</file>
+
+<file path=ppt/revisionInfo.xml><?xml version="1.0" encoding="utf-8"?>
+<p1510:revInfo xmlns:a="http://schemas.openxmlformats.org/drawingml/2006/main" xmlns:r="http://schemas.openxmlformats.org/officeDocument/2006/relationships" xmlns:p1510="http://schemas.microsoft.com/office/powerpoint/2015/10/main">
+  <p1510:revLst>
+    <p1510:client id="{428EA482-4A62-4333-9240-728773D47335}" v="9" dt="2020-07-30T06:18:44.785"/>
+  </p1510:revLst>
+</p1510:revInfo>
+</file>
+
+<file path=ppt/changesInfos/changesInfo1.xml><?xml version="1.0" encoding="utf-8"?>
+<pc:chgInfo xmlns:a="http://schemas.openxmlformats.org/drawingml/2006/main" xmlns:r="http://schemas.openxmlformats.org/officeDocument/2006/relationships" xmlns:ac="http://schemas.microsoft.com/office/drawing/2013/main/command" xmlns:pc="http://schemas.microsoft.com/office/powerpoint/2013/main/command">
+  <pc:docChgLst>
+    <pc:chgData name="刘 鹏" userId="522b771b6db6c9c0" providerId="LiveId" clId="{428EA482-4A62-4333-9240-728773D47335}"/>
+    <pc:docChg chg="undo custSel modSld">
+      <pc:chgData name="刘 鹏" userId="522b771b6db6c9c0" providerId="LiveId" clId="{428EA482-4A62-4333-9240-728773D47335}" dt="2020-07-30T06:18:49.539" v="68" actId="478"/>
+      <pc:docMkLst>
+        <pc:docMk/>
+      </pc:docMkLst>
+      <pc:sldChg chg="addSp delSp modSp mod">
+        <pc:chgData name="刘 鹏" userId="522b771b6db6c9c0" providerId="LiveId" clId="{428EA482-4A62-4333-9240-728773D47335}" dt="2020-07-30T06:18:49.539" v="68" actId="478"/>
+        <pc:sldMkLst>
+          <pc:docMk/>
+          <pc:sldMk cId="863862174" sldId="256"/>
+        </pc:sldMkLst>
+        <pc:spChg chg="add del mod">
+          <ac:chgData name="刘 鹏" userId="522b771b6db6c9c0" providerId="LiveId" clId="{428EA482-4A62-4333-9240-728773D47335}" dt="2020-07-30T06:17:01.607" v="48" actId="478"/>
+          <ac:spMkLst>
+            <pc:docMk/>
+            <pc:sldMk cId="863862174" sldId="256"/>
+            <ac:spMk id="2" creationId="{1BD38BA4-CE96-4F1F-9F22-16C99CE33F34}"/>
+          </ac:spMkLst>
+        </pc:spChg>
+        <pc:spChg chg="add del mod">
+          <ac:chgData name="刘 鹏" userId="522b771b6db6c9c0" providerId="LiveId" clId="{428EA482-4A62-4333-9240-728773D47335}" dt="2020-07-30T06:17:26.562" v="56" actId="478"/>
+          <ac:spMkLst>
+            <pc:docMk/>
+            <pc:sldMk cId="863862174" sldId="256"/>
+            <ac:spMk id="3" creationId="{E987EE07-6DF1-4125-9D59-A08B0323378F}"/>
+          </ac:spMkLst>
+        </pc:spChg>
+        <pc:spChg chg="add mod">
+          <ac:chgData name="刘 鹏" userId="522b771b6db6c9c0" providerId="LiveId" clId="{428EA482-4A62-4333-9240-728773D47335}" dt="2020-07-30T06:18:09.419" v="62" actId="1076"/>
+          <ac:spMkLst>
+            <pc:docMk/>
+            <pc:sldMk cId="863862174" sldId="256"/>
+            <ac:spMk id="4" creationId="{0A2D0725-923C-4B87-B5B8-B71F5FF38790}"/>
+          </ac:spMkLst>
+        </pc:spChg>
+        <pc:spChg chg="add mod">
+          <ac:chgData name="刘 鹏" userId="522b771b6db6c9c0" providerId="LiveId" clId="{428EA482-4A62-4333-9240-728773D47335}" dt="2020-07-30T06:18:41.422" v="65" actId="164"/>
+          <ac:spMkLst>
+            <pc:docMk/>
+            <pc:sldMk cId="863862174" sldId="256"/>
+            <ac:spMk id="6" creationId="{6083AFF9-130B-4F21-9239-3592047F5978}"/>
+          </ac:spMkLst>
+        </pc:spChg>
+        <pc:spChg chg="mod">
+          <ac:chgData name="刘 鹏" userId="522b771b6db6c9c0" providerId="LiveId" clId="{428EA482-4A62-4333-9240-728773D47335}" dt="2020-07-30T06:18:09.419" v="62" actId="1076"/>
+          <ac:spMkLst>
+            <pc:docMk/>
+            <pc:sldMk cId="863862174" sldId="256"/>
+            <ac:spMk id="10" creationId="{B36184E6-C762-45E7-86DB-C83B5E0A8AC5}"/>
+          </ac:spMkLst>
+        </pc:spChg>
+        <pc:spChg chg="del">
+          <ac:chgData name="刘 鹏" userId="522b771b6db6c9c0" providerId="LiveId" clId="{428EA482-4A62-4333-9240-728773D47335}" dt="2020-07-30T06:14:57.274" v="15" actId="478"/>
+          <ac:spMkLst>
+            <pc:docMk/>
+            <pc:sldMk cId="863862174" sldId="256"/>
+            <ac:spMk id="11" creationId="{1FA2B07A-5035-4498-A75D-8EC031DB8AE9}"/>
+          </ac:spMkLst>
+        </pc:spChg>
+        <pc:spChg chg="del mod">
+          <ac:chgData name="刘 鹏" userId="522b771b6db6c9c0" providerId="LiveId" clId="{428EA482-4A62-4333-9240-728773D47335}" dt="2020-07-30T06:15:32.563" v="30" actId="478"/>
+          <ac:spMkLst>
+            <pc:docMk/>
+            <pc:sldMk cId="863862174" sldId="256"/>
+            <ac:spMk id="12" creationId="{7B977A09-07A1-4F94-815F-6689AC35C1CF}"/>
+          </ac:spMkLst>
+        </pc:spChg>
+        <pc:spChg chg="mod">
+          <ac:chgData name="刘 鹏" userId="522b771b6db6c9c0" providerId="LiveId" clId="{428EA482-4A62-4333-9240-728773D47335}" dt="2020-07-30T06:18:44.785" v="67"/>
+          <ac:spMkLst>
+            <pc:docMk/>
+            <pc:sldMk cId="863862174" sldId="256"/>
+            <ac:spMk id="20" creationId="{76F21E86-AF53-4B70-9EC6-5A6636925A82}"/>
+          </ac:spMkLst>
+        </pc:spChg>
+        <pc:grpChg chg="add del mod">
+          <ac:chgData name="刘 鹏" userId="522b771b6db6c9c0" providerId="LiveId" clId="{428EA482-4A62-4333-9240-728773D47335}" dt="2020-07-30T06:18:43.093" v="66" actId="21"/>
+          <ac:grpSpMkLst>
+            <pc:docMk/>
+            <pc:sldMk cId="863862174" sldId="256"/>
+            <ac:grpSpMk id="17" creationId="{351D3E7E-E1FC-4A21-B898-21F2ED8D5B0F}"/>
+          </ac:grpSpMkLst>
+        </pc:grpChg>
+        <pc:grpChg chg="add mod">
+          <ac:chgData name="刘 鹏" userId="522b771b6db6c9c0" providerId="LiveId" clId="{428EA482-4A62-4333-9240-728773D47335}" dt="2020-07-30T06:18:44.785" v="67"/>
+          <ac:grpSpMkLst>
+            <pc:docMk/>
+            <pc:sldMk cId="863862174" sldId="256"/>
+            <ac:grpSpMk id="18" creationId="{D804A5E4-2890-4082-8B22-75AD1945D485}"/>
+          </ac:grpSpMkLst>
+        </pc:grpChg>
+        <pc:graphicFrameChg chg="add del mod">
+          <ac:chgData name="刘 鹏" userId="522b771b6db6c9c0" providerId="LiveId" clId="{428EA482-4A62-4333-9240-728773D47335}" dt="2020-07-30T06:18:49.539" v="68" actId="478"/>
+          <ac:graphicFrameMkLst>
+            <pc:docMk/>
+            <pc:sldMk cId="863862174" sldId="256"/>
+            <ac:graphicFrameMk id="16" creationId="{C931B7F5-93A3-4304-9556-438F54A81A7C}"/>
+          </ac:graphicFrameMkLst>
+        </pc:graphicFrameChg>
+        <pc:picChg chg="mod">
+          <ac:chgData name="刘 鹏" userId="522b771b6db6c9c0" providerId="LiveId" clId="{428EA482-4A62-4333-9240-728773D47335}" dt="2020-07-30T06:18:09.419" v="62" actId="1076"/>
+          <ac:picMkLst>
+            <pc:docMk/>
+            <pc:sldMk cId="863862174" sldId="256"/>
+            <ac:picMk id="5" creationId="{8F9DC3A9-439D-43EC-B36B-28EEA0A182D9}"/>
+          </ac:picMkLst>
+        </pc:picChg>
+        <pc:picChg chg="mod">
+          <ac:chgData name="刘 鹏" userId="522b771b6db6c9c0" providerId="LiveId" clId="{428EA482-4A62-4333-9240-728773D47335}" dt="2020-07-30T06:18:09.419" v="62" actId="1076"/>
+          <ac:picMkLst>
+            <pc:docMk/>
+            <pc:sldMk cId="863862174" sldId="256"/>
+            <ac:picMk id="7" creationId="{2BE2B1A1-CE07-4257-9FB5-20C3DB01B0E8}"/>
+          </ac:picMkLst>
+        </pc:picChg>
+        <pc:picChg chg="mod">
+          <ac:chgData name="刘 鹏" userId="522b771b6db6c9c0" providerId="LiveId" clId="{428EA482-4A62-4333-9240-728773D47335}" dt="2020-07-30T06:18:41.422" v="65" actId="164"/>
+          <ac:picMkLst>
+            <pc:docMk/>
+            <pc:sldMk cId="863862174" sldId="256"/>
+            <ac:picMk id="9" creationId="{D50E6BA5-7A29-4F65-BC16-DF33A2DE6BE9}"/>
+          </ac:picMkLst>
+        </pc:picChg>
+        <pc:picChg chg="mod">
+          <ac:chgData name="刘 鹏" userId="522b771b6db6c9c0" providerId="LiveId" clId="{428EA482-4A62-4333-9240-728773D47335}" dt="2020-07-30T06:18:44.785" v="67"/>
+          <ac:picMkLst>
+            <pc:docMk/>
+            <pc:sldMk cId="863862174" sldId="256"/>
+            <ac:picMk id="19" creationId="{43620F36-34F3-49B5-8F6A-45994119ED58}"/>
+          </ac:picMkLst>
+        </pc:picChg>
+      </pc:sldChg>
+    </pc:docChg>
+  </pc:docChgLst>
+</pc:chgInfo>
 </file>
 
 <file path=ppt/slideLayouts/slideLayout1.xml><?xml version="1.0" encoding="utf-8"?>
@@ -254,7 +408,7 @@
           <a:p>
             <a:fld id="{3F4A7B02-733C-4D37-800B-9B1F308B3DB2}" type="datetimeFigureOut">
               <a:rPr lang="zh-CN" altLang="en-US" smtClean="0"/>
-              <a:t>2020-07-24</a:t>
+              <a:t>2020-07-30</a:t>
             </a:fld>
             <a:endParaRPr lang="zh-CN" altLang="en-US"/>
           </a:p>
@@ -452,7 +606,7 @@
           <a:p>
             <a:fld id="{3F4A7B02-733C-4D37-800B-9B1F308B3DB2}" type="datetimeFigureOut">
               <a:rPr lang="zh-CN" altLang="en-US" smtClean="0"/>
-              <a:t>2020-07-24</a:t>
+              <a:t>2020-07-30</a:t>
             </a:fld>
             <a:endParaRPr lang="zh-CN" altLang="en-US"/>
           </a:p>
@@ -660,7 +814,7 @@
           <a:p>
             <a:fld id="{3F4A7B02-733C-4D37-800B-9B1F308B3DB2}" type="datetimeFigureOut">
               <a:rPr lang="zh-CN" altLang="en-US" smtClean="0"/>
-              <a:t>2020-07-24</a:t>
+              <a:t>2020-07-30</a:t>
             </a:fld>
             <a:endParaRPr lang="zh-CN" altLang="en-US"/>
           </a:p>
@@ -858,7 +1012,7 @@
           <a:p>
             <a:fld id="{3F4A7B02-733C-4D37-800B-9B1F308B3DB2}" type="datetimeFigureOut">
               <a:rPr lang="zh-CN" altLang="en-US" smtClean="0"/>
-              <a:t>2020-07-24</a:t>
+              <a:t>2020-07-30</a:t>
             </a:fld>
             <a:endParaRPr lang="zh-CN" altLang="en-US"/>
           </a:p>
@@ -1133,7 +1287,7 @@
           <a:p>
             <a:fld id="{3F4A7B02-733C-4D37-800B-9B1F308B3DB2}" type="datetimeFigureOut">
               <a:rPr lang="zh-CN" altLang="en-US" smtClean="0"/>
-              <a:t>2020-07-24</a:t>
+              <a:t>2020-07-30</a:t>
             </a:fld>
             <a:endParaRPr lang="zh-CN" altLang="en-US"/>
           </a:p>
@@ -1398,7 +1552,7 @@
           <a:p>
             <a:fld id="{3F4A7B02-733C-4D37-800B-9B1F308B3DB2}" type="datetimeFigureOut">
               <a:rPr lang="zh-CN" altLang="en-US" smtClean="0"/>
-              <a:t>2020-07-24</a:t>
+              <a:t>2020-07-30</a:t>
             </a:fld>
             <a:endParaRPr lang="zh-CN" altLang="en-US"/>
           </a:p>
@@ -1810,7 +1964,7 @@
           <a:p>
             <a:fld id="{3F4A7B02-733C-4D37-800B-9B1F308B3DB2}" type="datetimeFigureOut">
               <a:rPr lang="zh-CN" altLang="en-US" smtClean="0"/>
-              <a:t>2020-07-24</a:t>
+              <a:t>2020-07-30</a:t>
             </a:fld>
             <a:endParaRPr lang="zh-CN" altLang="en-US"/>
           </a:p>
@@ -1951,7 +2105,7 @@
           <a:p>
             <a:fld id="{3F4A7B02-733C-4D37-800B-9B1F308B3DB2}" type="datetimeFigureOut">
               <a:rPr lang="zh-CN" altLang="en-US" smtClean="0"/>
-              <a:t>2020-07-24</a:t>
+              <a:t>2020-07-30</a:t>
             </a:fld>
             <a:endParaRPr lang="zh-CN" altLang="en-US"/>
           </a:p>
@@ -2064,7 +2218,7 @@
           <a:p>
             <a:fld id="{3F4A7B02-733C-4D37-800B-9B1F308B3DB2}" type="datetimeFigureOut">
               <a:rPr lang="zh-CN" altLang="en-US" smtClean="0"/>
-              <a:t>2020-07-24</a:t>
+              <a:t>2020-07-30</a:t>
             </a:fld>
             <a:endParaRPr lang="zh-CN" altLang="en-US"/>
           </a:p>
@@ -2375,7 +2529,7 @@
           <a:p>
             <a:fld id="{3F4A7B02-733C-4D37-800B-9B1F308B3DB2}" type="datetimeFigureOut">
               <a:rPr lang="zh-CN" altLang="en-US" smtClean="0"/>
-              <a:t>2020-07-24</a:t>
+              <a:t>2020-07-30</a:t>
             </a:fld>
             <a:endParaRPr lang="zh-CN" altLang="en-US"/>
           </a:p>
@@ -2663,7 +2817,7 @@
           <a:p>
             <a:fld id="{3F4A7B02-733C-4D37-800B-9B1F308B3DB2}" type="datetimeFigureOut">
               <a:rPr lang="zh-CN" altLang="en-US" smtClean="0"/>
-              <a:t>2020-07-24</a:t>
+              <a:t>2020-07-30</a:t>
             </a:fld>
             <a:endParaRPr lang="zh-CN" altLang="en-US"/>
           </a:p>
@@ -2904,7 +3058,7 @@
           <a:p>
             <a:fld id="{3F4A7B02-733C-4D37-800B-9B1F308B3DB2}" type="datetimeFigureOut">
               <a:rPr lang="zh-CN" altLang="en-US" smtClean="0"/>
-              <a:t>2020-07-24</a:t>
+              <a:t>2020-07-30</a:t>
             </a:fld>
             <a:endParaRPr lang="zh-CN" altLang="en-US"/>
           </a:p>
@@ -3359,7 +3513,7 @@
         </p:blipFill>
         <p:spPr>
           <a:xfrm>
-            <a:off x="97155" y="501015"/>
+            <a:off x="3802601" y="1649360"/>
             <a:ext cx="4912995" cy="3248977"/>
           </a:xfrm>
           <a:prstGeom prst="rect">
@@ -3395,7 +3549,7 @@
         </p:blipFill>
         <p:spPr>
           <a:xfrm>
-            <a:off x="5230653" y="501015"/>
+            <a:off x="8936099" y="1649360"/>
             <a:ext cx="3131442" cy="3248976"/>
           </a:xfrm>
           <a:prstGeom prst="rect">
@@ -3403,63 +3557,29 @@
           </a:prstGeom>
         </p:spPr>
       </p:pic>
-      <p:pic>
-        <p:nvPicPr>
-          <p:cNvPr id="9" name="图片 8" descr="图片包含 游戏机, 截图&#10;&#10;描述已自动生成">
-            <a:extLst>
-              <a:ext uri="{FF2B5EF4-FFF2-40B4-BE49-F238E27FC236}">
-                <a16:creationId xmlns:a16="http://schemas.microsoft.com/office/drawing/2014/main" id="{D50E6BA5-7A29-4F65-BC16-DF33A2DE6BE9}"/>
-              </a:ext>
-            </a:extLst>
-          </p:cNvPr>
-          <p:cNvPicPr>
-            <a:picLocks noChangeAspect="1"/>
-          </p:cNvPicPr>
+      <p:sp>
+        <p:nvSpPr>
+          <p:cNvPr id="10" name="文本框 9">
+            <a:extLst>
+              <a:ext uri="{FF2B5EF4-FFF2-40B4-BE49-F238E27FC236}">
+                <a16:creationId xmlns:a16="http://schemas.microsoft.com/office/drawing/2014/main" id="{B36184E6-C762-45E7-86DB-C83B5E0A8AC5}"/>
+              </a:ext>
+            </a:extLst>
+          </p:cNvPr>
+          <p:cNvSpPr txBox="1"/>
           <p:nvPr/>
-        </p:nvPicPr>
-        <p:blipFill>
-          <a:blip r:embed="rId4">
-            <a:extLst>
-              <a:ext uri="{28A0092B-C50C-407E-A947-70E740481C1C}">
-                <a14:useLocalDpi xmlns:a14="http://schemas.microsoft.com/office/drawing/2010/main" val="0"/>
-              </a:ext>
-            </a:extLst>
-          </a:blip>
-          <a:stretch>
-            <a:fillRect/>
-          </a:stretch>
-        </p:blipFill>
+        </p:nvSpPr>
         <p:spPr>
           <a:xfrm>
-            <a:off x="8582599" y="501015"/>
-            <a:ext cx="3481769" cy="3248976"/>
+            <a:off x="3802601" y="4967871"/>
+            <a:ext cx="4912995" cy="461665"/>
           </a:xfrm>
           <a:prstGeom prst="rect">
             <a:avLst/>
           </a:prstGeom>
-        </p:spPr>
-      </p:pic>
-      <p:sp>
-        <p:nvSpPr>
-          <p:cNvPr id="10" name="文本框 9">
-            <a:extLst>
-              <a:ext uri="{FF2B5EF4-FFF2-40B4-BE49-F238E27FC236}">
-                <a16:creationId xmlns:a16="http://schemas.microsoft.com/office/drawing/2014/main" id="{B36184E6-C762-45E7-86DB-C83B5E0A8AC5}"/>
-              </a:ext>
-            </a:extLst>
-          </p:cNvPr>
-          <p:cNvSpPr txBox="1"/>
-          <p:nvPr/>
-        </p:nvSpPr>
-        <p:spPr>
-          <a:xfrm>
-            <a:off x="1472564" y="3819525"/>
-            <a:ext cx="2162175" cy="461665"/>
-          </a:xfrm>
-          <a:prstGeom prst="rect">
-            <a:avLst/>
-          </a:prstGeom>
-          <a:noFill/>
+          <a:solidFill>
+            <a:schemeClr val="tx1"/>
+          </a:solidFill>
         </p:spPr>
         <p:txBody>
           <a:bodyPr wrap="square" rtlCol="0">
@@ -3470,58 +3590,9 @@
             <a:r>
               <a:rPr lang="en-US" altLang="zh-CN" sz="2400" dirty="0">
                 <a:solidFill>
-                  <a:schemeClr val="bg1">
-                    <a:lumMod val="95000"/>
-                  </a:schemeClr>
-                </a:solidFill>
-                <a:latin typeface="LM Mono 10" panose="00000509000000000000" pitchFamily="49" charset="0"/>
-              </a:rPr>
-              <a:t>.\install.ps1</a:t>
-            </a:r>
-            <a:endParaRPr lang="zh-CN" altLang="en-US" sz="2400" dirty="0">
-              <a:solidFill>
-                <a:schemeClr val="bg1">
-                  <a:lumMod val="95000"/>
-                </a:schemeClr>
-              </a:solidFill>
-              <a:latin typeface="LM Mono 10" panose="00000509000000000000" pitchFamily="49" charset="0"/>
-            </a:endParaRPr>
-          </a:p>
-        </p:txBody>
-      </p:sp>
-      <p:sp>
-        <p:nvSpPr>
-          <p:cNvPr id="11" name="文本框 10">
-            <a:extLst>
-              <a:ext uri="{FF2B5EF4-FFF2-40B4-BE49-F238E27FC236}">
-                <a16:creationId xmlns:a16="http://schemas.microsoft.com/office/drawing/2014/main" id="{1FA2B07A-5035-4498-A75D-8EC031DB8AE9}"/>
-              </a:ext>
-            </a:extLst>
-          </p:cNvPr>
-          <p:cNvSpPr txBox="1"/>
-          <p:nvPr/>
-        </p:nvSpPr>
-        <p:spPr>
-          <a:xfrm>
-            <a:off x="5312998" y="3824287"/>
-            <a:ext cx="2966752" cy="461665"/>
-          </a:xfrm>
-          <a:prstGeom prst="rect">
-            <a:avLst/>
-          </a:prstGeom>
-          <a:noFill/>
-        </p:spPr>
-        <p:txBody>
-          <a:bodyPr wrap="square" rtlCol="0">
-            <a:spAutoFit/>
-          </a:bodyPr>
-          <a:lstStyle/>
-          <a:p>
-            <a:r>
-              <a:rPr lang="en-US" altLang="zh-CN" sz="2400" dirty="0">
-                <a:solidFill>
-                  <a:schemeClr val="bg1">
-                    <a:lumMod val="95000"/>
+                  <a:schemeClr val="accent6">
+                    <a:lumMod val="40000"/>
+                    <a:lumOff val="60000"/>
                   </a:schemeClr>
                 </a:solidFill>
                 <a:latin typeface="LM Mono 10" panose="00000509000000000000" pitchFamily="49" charset="0"/>
@@ -3531,15 +3602,15 @@
             <a:r>
               <a:rPr lang="en-US" altLang="zh-CN" sz="2400" dirty="0">
                 <a:solidFill>
-                  <a:srgbClr val="FFFF00"/>
+                  <a:srgbClr val="FFCC00"/>
                 </a:solidFill>
                 <a:latin typeface="LM Mono 10" panose="00000509000000000000" pitchFamily="49" charset="0"/>
               </a:rPr>
-              <a:t>flat</a:t>
+              <a:t>Default</a:t>
             </a:r>
             <a:endParaRPr lang="zh-CN" altLang="en-US" sz="2400" dirty="0">
               <a:solidFill>
-                <a:srgbClr val="FFFF00"/>
+                <a:srgbClr val="FFCC00"/>
               </a:solidFill>
               <a:latin typeface="LM Mono 10" panose="00000509000000000000" pitchFamily="49" charset="0"/>
             </a:endParaRPr>
@@ -3548,10 +3619,10 @@
       </p:sp>
       <p:sp>
         <p:nvSpPr>
-          <p:cNvPr id="12" name="文本框 11">
-            <a:extLst>
-              <a:ext uri="{FF2B5EF4-FFF2-40B4-BE49-F238E27FC236}">
-                <a16:creationId xmlns:a16="http://schemas.microsoft.com/office/drawing/2014/main" id="{7B977A09-07A1-4F94-815F-6689AC35C1CF}"/>
+          <p:cNvPr id="4" name="文本框 3">
+            <a:extLst>
+              <a:ext uri="{FF2B5EF4-FFF2-40B4-BE49-F238E27FC236}">
+                <a16:creationId xmlns:a16="http://schemas.microsoft.com/office/drawing/2014/main" id="{0A2D0725-923C-4B87-B5B8-B71F5FF38790}"/>
               </a:ext>
             </a:extLst>
           </p:cNvPr>
@@ -3560,13 +3631,15 @@
         </p:nvSpPr>
         <p:spPr>
           <a:xfrm>
-            <a:off x="8994745" y="3819526"/>
-            <a:ext cx="2930555" cy="461665"/>
+            <a:off x="8936099" y="4965560"/>
+            <a:ext cx="3131442" cy="461665"/>
           </a:xfrm>
           <a:prstGeom prst="rect">
             <a:avLst/>
           </a:prstGeom>
-          <a:noFill/>
+          <a:solidFill>
+            <a:schemeClr val="tx1"/>
+          </a:solidFill>
         </p:spPr>
         <p:txBody>
           <a:bodyPr wrap="square" rtlCol="0">
@@ -3577,8 +3650,9 @@
             <a:r>
               <a:rPr lang="en-US" altLang="zh-CN" sz="2400" dirty="0">
                 <a:solidFill>
-                  <a:schemeClr val="bg1">
-                    <a:lumMod val="95000"/>
+                  <a:schemeClr val="accent6">
+                    <a:lumMod val="40000"/>
+                    <a:lumOff val="60000"/>
                   </a:schemeClr>
                 </a:solidFill>
                 <a:latin typeface="LM Mono 10" panose="00000509000000000000" pitchFamily="49" charset="0"/>
@@ -3588,21 +3662,129 @@
             <a:r>
               <a:rPr lang="en-US" altLang="zh-CN" sz="2400" dirty="0">
                 <a:solidFill>
-                  <a:srgbClr val="FFFF00"/>
+                  <a:srgbClr val="FFCC00"/>
                 </a:solidFill>
                 <a:latin typeface="LM Mono 10" panose="00000509000000000000" pitchFamily="49" charset="0"/>
               </a:rPr>
-              <a:t>mini</a:t>
+              <a:t>Flat</a:t>
             </a:r>
             <a:endParaRPr lang="zh-CN" altLang="en-US" sz="2400" dirty="0">
               <a:solidFill>
-                <a:srgbClr val="FFFF00"/>
+                <a:srgbClr val="FFCC00"/>
               </a:solidFill>
               <a:latin typeface="LM Mono 10" panose="00000509000000000000" pitchFamily="49" charset="0"/>
             </a:endParaRPr>
           </a:p>
         </p:txBody>
       </p:sp>
+      <p:grpSp>
+        <p:nvGrpSpPr>
+          <p:cNvPr id="18" name="组合 17">
+            <a:extLst>
+              <a:ext uri="{FF2B5EF4-FFF2-40B4-BE49-F238E27FC236}">
+                <a16:creationId xmlns:a16="http://schemas.microsoft.com/office/drawing/2014/main" id="{D804A5E4-2890-4082-8B22-75AD1945D485}"/>
+              </a:ext>
+            </a:extLst>
+          </p:cNvPr>
+          <p:cNvGrpSpPr/>
+          <p:nvPr/>
+        </p:nvGrpSpPr>
+        <p:grpSpPr>
+          <a:xfrm>
+            <a:off x="130809" y="1649360"/>
+            <a:ext cx="3481771" cy="3805978"/>
+            <a:chOff x="130809" y="1649360"/>
+            <a:chExt cx="3481771" cy="3805978"/>
+          </a:xfrm>
+        </p:grpSpPr>
+        <p:pic>
+          <p:nvPicPr>
+            <p:cNvPr id="19" name="图片 18" descr="图片包含 游戏机, 截图&#10;&#10;描述已自动生成">
+              <a:extLst>
+                <a:ext uri="{FF2B5EF4-FFF2-40B4-BE49-F238E27FC236}">
+                  <a16:creationId xmlns:a16="http://schemas.microsoft.com/office/drawing/2014/main" id="{43620F36-34F3-49B5-8F6A-45994119ED58}"/>
+                </a:ext>
+              </a:extLst>
+            </p:cNvPr>
+            <p:cNvPicPr>
+              <a:picLocks noChangeAspect="1"/>
+            </p:cNvPicPr>
+            <p:nvPr/>
+          </p:nvPicPr>
+          <p:blipFill>
+            <a:blip r:embed="rId4">
+              <a:extLst>
+                <a:ext uri="{28A0092B-C50C-407E-A947-70E740481C1C}">
+                  <a14:useLocalDpi xmlns:a14="http://schemas.microsoft.com/office/drawing/2010/main" val="0"/>
+                </a:ext>
+              </a:extLst>
+            </a:blip>
+            <a:stretch>
+              <a:fillRect/>
+            </a:stretch>
+          </p:blipFill>
+          <p:spPr>
+            <a:xfrm>
+              <a:off x="130811" y="1649360"/>
+              <a:ext cx="3481769" cy="3248976"/>
+            </a:xfrm>
+            <a:prstGeom prst="rect">
+              <a:avLst/>
+            </a:prstGeom>
+          </p:spPr>
+        </p:pic>
+        <p:sp>
+          <p:nvSpPr>
+            <p:cNvPr id="20" name="文本框 19">
+              <a:extLst>
+                <a:ext uri="{FF2B5EF4-FFF2-40B4-BE49-F238E27FC236}">
+                  <a16:creationId xmlns:a16="http://schemas.microsoft.com/office/drawing/2014/main" id="{76F21E86-AF53-4B70-9EC6-5A6636925A82}"/>
+                </a:ext>
+              </a:extLst>
+            </p:cNvPr>
+            <p:cNvSpPr txBox="1"/>
+            <p:nvPr/>
+          </p:nvSpPr>
+          <p:spPr>
+            <a:xfrm>
+              <a:off x="130809" y="4993673"/>
+              <a:ext cx="3481769" cy="461665"/>
+            </a:xfrm>
+            <a:prstGeom prst="rect">
+              <a:avLst/>
+            </a:prstGeom>
+            <a:solidFill>
+              <a:schemeClr val="tx1"/>
+            </a:solidFill>
+          </p:spPr>
+          <p:txBody>
+            <a:bodyPr wrap="square" rtlCol="0">
+              <a:spAutoFit/>
+            </a:bodyPr>
+            <a:lstStyle/>
+            <a:p>
+              <a:r>
+                <a:rPr lang="en-US" altLang="zh-CN" sz="2400" dirty="0">
+                  <a:solidFill>
+                    <a:schemeClr val="accent6">
+                      <a:lumMod val="40000"/>
+                      <a:lumOff val="60000"/>
+                    </a:schemeClr>
+                  </a:solidFill>
+                  <a:latin typeface="LM Mono 10" panose="00000509000000000000" pitchFamily="49" charset="0"/>
+                </a:rPr>
+                <a:t>.\install.ps1</a:t>
+              </a:r>
+              <a:endParaRPr lang="zh-CN" altLang="en-US" sz="2400" dirty="0">
+                <a:solidFill>
+                  <a:srgbClr val="FFCC00"/>
+                </a:solidFill>
+                <a:latin typeface="LM Mono 10" panose="00000509000000000000" pitchFamily="49" charset="0"/>
+              </a:endParaRPr>
+            </a:p>
+          </p:txBody>
+        </p:sp>
+      </p:grpSp>
     </p:spTree>
     <p:extLst>
       <p:ext uri="{BB962C8B-B14F-4D97-AF65-F5344CB8AC3E}">
